--- a/Dominos - Predictive Purchase Order System.pptx
+++ b/Dominos - Predictive Purchase Order System.pptx
@@ -176,7 +176,7 @@
           <a:noFill/>
           <a:extLst>
             <a:ext uri="{909E8E84-426E-40dd-AFC4-6F175D3DCCD1}">
-              <a14:hiddenFill xmlns:a14="http://schemas.microsoft.com/office/drawing/2010/main" xmlns="">
+              <a14:hiddenFill xmlns="" xmlns:a14="http://schemas.microsoft.com/office/drawing/2010/main">
                 <a:solidFill>
                   <a:srgbClr val="FFFFFF"/>
                 </a:solidFill>
@@ -236,7 +236,7 @@
             </a:ln>
             <a:extLst>
               <a:ext uri="{91240B29-F687-4f45-9708-019B960494DF}">
-                <a14:hiddenLine xmlns:a14="http://schemas.microsoft.com/office/drawing/2010/main" xmlns="" w="9525">
+                <a14:hiddenLine xmlns="" xmlns:a14="http://schemas.microsoft.com/office/drawing/2010/main" w="9525">
                   <a:solidFill>
                     <a:srgbClr val="000000"/>
                   </a:solidFill>
@@ -326,7 +326,7 @@
             </a:ln>
             <a:extLst>
               <a:ext uri="{91240B29-F687-4f45-9708-019B960494DF}">
-                <a14:hiddenLine xmlns:a14="http://schemas.microsoft.com/office/drawing/2010/main" xmlns="" w="9525">
+                <a14:hiddenLine xmlns="" xmlns:a14="http://schemas.microsoft.com/office/drawing/2010/main" w="9525">
                   <a:solidFill>
                     <a:srgbClr val="000000"/>
                   </a:solidFill>
@@ -416,7 +416,7 @@
             </a:ln>
             <a:extLst>
               <a:ext uri="{91240B29-F687-4f45-9708-019B960494DF}">
-                <a14:hiddenLine xmlns:a14="http://schemas.microsoft.com/office/drawing/2010/main" xmlns="" w="9525">
+                <a14:hiddenLine xmlns="" xmlns:a14="http://schemas.microsoft.com/office/drawing/2010/main" w="9525">
                   <a:solidFill>
                     <a:srgbClr val="000000"/>
                   </a:solidFill>
@@ -450,7 +450,7 @@
             </a:ln>
             <a:extLst>
               <a:ext uri="{91240B29-F687-4f45-9708-019B960494DF}">
-                <a14:hiddenLine xmlns:a14="http://schemas.microsoft.com/office/drawing/2010/main" xmlns="" w="9525">
+                <a14:hiddenLine xmlns="" xmlns:a14="http://schemas.microsoft.com/office/drawing/2010/main" w="9525">
                   <a:solidFill>
                     <a:srgbClr val="000000"/>
                   </a:solidFill>
@@ -540,7 +540,7 @@
             </a:ln>
             <a:extLst>
               <a:ext uri="{91240B29-F687-4f45-9708-019B960494DF}">
-                <a14:hiddenLine xmlns:a14="http://schemas.microsoft.com/office/drawing/2010/main" xmlns="" w="9525">
+                <a14:hiddenLine xmlns="" xmlns:a14="http://schemas.microsoft.com/office/drawing/2010/main" w="9525">
                   <a:solidFill>
                     <a:srgbClr val="000000"/>
                   </a:solidFill>
@@ -602,7 +602,7 @@
             </a:ln>
             <a:extLst>
               <a:ext uri="{91240B29-F687-4f45-9708-019B960494DF}">
-                <a14:hiddenLine xmlns:a14="http://schemas.microsoft.com/office/drawing/2010/main" xmlns="" w="9525">
+                <a14:hiddenLine xmlns="" xmlns:a14="http://schemas.microsoft.com/office/drawing/2010/main" w="9525">
                   <a:solidFill>
                     <a:srgbClr val="000000"/>
                   </a:solidFill>
@@ -664,7 +664,7 @@
             </a:ln>
             <a:extLst>
               <a:ext uri="{91240B29-F687-4f45-9708-019B960494DF}">
-                <a14:hiddenLine xmlns:a14="http://schemas.microsoft.com/office/drawing/2010/main" xmlns="" w="9525">
+                <a14:hiddenLine xmlns="" xmlns:a14="http://schemas.microsoft.com/office/drawing/2010/main" w="9525">
                   <a:solidFill>
                     <a:srgbClr val="000000"/>
                   </a:solidFill>
@@ -754,7 +754,7 @@
             </a:ln>
             <a:extLst>
               <a:ext uri="{91240B29-F687-4f45-9708-019B960494DF}">
-                <a14:hiddenLine xmlns:a14="http://schemas.microsoft.com/office/drawing/2010/main" xmlns="" w="9525">
+                <a14:hiddenLine xmlns="" xmlns:a14="http://schemas.microsoft.com/office/drawing/2010/main" w="9525">
                   <a:solidFill>
                     <a:srgbClr val="000000"/>
                   </a:solidFill>
@@ -816,7 +816,7 @@
             </a:ln>
             <a:extLst>
               <a:ext uri="{91240B29-F687-4f45-9708-019B960494DF}">
-                <a14:hiddenLine xmlns:a14="http://schemas.microsoft.com/office/drawing/2010/main" xmlns="" w="9525">
+                <a14:hiddenLine xmlns="" xmlns:a14="http://schemas.microsoft.com/office/drawing/2010/main" w="9525">
                   <a:solidFill>
                     <a:srgbClr val="000000"/>
                   </a:solidFill>
@@ -878,7 +878,7 @@
             </a:ln>
             <a:extLst>
               <a:ext uri="{91240B29-F687-4f45-9708-019B960494DF}">
-                <a14:hiddenLine xmlns:a14="http://schemas.microsoft.com/office/drawing/2010/main" xmlns="" w="9525">
+                <a14:hiddenLine xmlns="" xmlns:a14="http://schemas.microsoft.com/office/drawing/2010/main" w="9525">
                   <a:solidFill>
                     <a:srgbClr val="000000"/>
                   </a:solidFill>
@@ -968,7 +968,7 @@
             </a:ln>
             <a:extLst>
               <a:ext uri="{91240B29-F687-4f45-9708-019B960494DF}">
-                <a14:hiddenLine xmlns:a14="http://schemas.microsoft.com/office/drawing/2010/main" xmlns="" w="9525">
+                <a14:hiddenLine xmlns="" xmlns:a14="http://schemas.microsoft.com/office/drawing/2010/main" w="9525">
                   <a:solidFill>
                     <a:srgbClr val="000000"/>
                   </a:solidFill>
@@ -1058,7 +1058,7 @@
             </a:ln>
             <a:extLst>
               <a:ext uri="{91240B29-F687-4f45-9708-019B960494DF}">
-                <a14:hiddenLine xmlns:a14="http://schemas.microsoft.com/office/drawing/2010/main" xmlns="" w="9525">
+                <a14:hiddenLine xmlns="" xmlns:a14="http://schemas.microsoft.com/office/drawing/2010/main" w="9525">
                   <a:solidFill>
                     <a:srgbClr val="000000"/>
                   </a:solidFill>
@@ -1120,7 +1120,7 @@
             </a:ln>
             <a:extLst>
               <a:ext uri="{91240B29-F687-4f45-9708-019B960494DF}">
-                <a14:hiddenLine xmlns:a14="http://schemas.microsoft.com/office/drawing/2010/main" xmlns="" w="9525">
+                <a14:hiddenLine xmlns="" xmlns:a14="http://schemas.microsoft.com/office/drawing/2010/main" w="9525">
                   <a:solidFill>
                     <a:srgbClr val="000000"/>
                   </a:solidFill>
@@ -1230,7 +1230,7 @@
             </a:ln>
             <a:extLst>
               <a:ext uri="{91240B29-F687-4f45-9708-019B960494DF}">
-                <a14:hiddenLine xmlns:a14="http://schemas.microsoft.com/office/drawing/2010/main" xmlns="" w="9525">
+                <a14:hiddenLine xmlns="" xmlns:a14="http://schemas.microsoft.com/office/drawing/2010/main" w="9525">
                   <a:solidFill>
                     <a:srgbClr val="000000"/>
                   </a:solidFill>
@@ -1292,7 +1292,7 @@
             </a:ln>
             <a:extLst>
               <a:ext uri="{91240B29-F687-4f45-9708-019B960494DF}">
-                <a14:hiddenLine xmlns:a14="http://schemas.microsoft.com/office/drawing/2010/main" xmlns="" w="9525">
+                <a14:hiddenLine xmlns="" xmlns:a14="http://schemas.microsoft.com/office/drawing/2010/main" w="9525">
                   <a:solidFill>
                     <a:srgbClr val="000000"/>
                   </a:solidFill>
@@ -1382,7 +1382,7 @@
             </a:ln>
             <a:extLst>
               <a:ext uri="{91240B29-F687-4f45-9708-019B960494DF}">
-                <a14:hiddenLine xmlns:a14="http://schemas.microsoft.com/office/drawing/2010/main" xmlns="" w="9525">
+                <a14:hiddenLine xmlns="" xmlns:a14="http://schemas.microsoft.com/office/drawing/2010/main" w="9525">
                   <a:solidFill>
                     <a:srgbClr val="000000"/>
                   </a:solidFill>
@@ -1472,7 +1472,7 @@
             </a:ln>
             <a:extLst>
               <a:ext uri="{91240B29-F687-4f45-9708-019B960494DF}">
-                <a14:hiddenLine xmlns:a14="http://schemas.microsoft.com/office/drawing/2010/main" xmlns="" w="9525">
+                <a14:hiddenLine xmlns="" xmlns:a14="http://schemas.microsoft.com/office/drawing/2010/main" w="9525">
                   <a:solidFill>
                     <a:srgbClr val="000000"/>
                   </a:solidFill>
@@ -1534,7 +1534,7 @@
             </a:ln>
             <a:extLst>
               <a:ext uri="{91240B29-F687-4f45-9708-019B960494DF}">
-                <a14:hiddenLine xmlns:a14="http://schemas.microsoft.com/office/drawing/2010/main" xmlns="" w="9525">
+                <a14:hiddenLine xmlns="" xmlns:a14="http://schemas.microsoft.com/office/drawing/2010/main" w="9525">
                   <a:solidFill>
                     <a:srgbClr val="000000"/>
                   </a:solidFill>
@@ -1624,7 +1624,7 @@
             </a:ln>
             <a:extLst>
               <a:ext uri="{91240B29-F687-4f45-9708-019B960494DF}">
-                <a14:hiddenLine xmlns:a14="http://schemas.microsoft.com/office/drawing/2010/main" xmlns="" w="9525">
+                <a14:hiddenLine xmlns="" xmlns:a14="http://schemas.microsoft.com/office/drawing/2010/main" w="9525">
                   <a:solidFill>
                     <a:srgbClr val="000000"/>
                   </a:solidFill>
@@ -1714,7 +1714,7 @@
             </a:ln>
             <a:extLst>
               <a:ext uri="{91240B29-F687-4f45-9708-019B960494DF}">
-                <a14:hiddenLine xmlns:a14="http://schemas.microsoft.com/office/drawing/2010/main" xmlns="" w="9525">
+                <a14:hiddenLine xmlns="" xmlns:a14="http://schemas.microsoft.com/office/drawing/2010/main" w="9525">
                   <a:solidFill>
                     <a:srgbClr val="000000"/>
                   </a:solidFill>
@@ -1770,7 +1770,7 @@
             </a:ln>
             <a:extLst>
               <a:ext uri="{91240B29-F687-4f45-9708-019B960494DF}">
-                <a14:hiddenLine xmlns:a14="http://schemas.microsoft.com/office/drawing/2010/main" xmlns="" w="9525">
+                <a14:hiddenLine xmlns="" xmlns:a14="http://schemas.microsoft.com/office/drawing/2010/main" w="9525">
                   <a:solidFill>
                     <a:srgbClr val="000000"/>
                   </a:solidFill>
@@ -1860,7 +1860,7 @@
             </a:ln>
             <a:extLst>
               <a:ext uri="{91240B29-F687-4f45-9708-019B960494DF}">
-                <a14:hiddenLine xmlns:a14="http://schemas.microsoft.com/office/drawing/2010/main" xmlns="" w="9525">
+                <a14:hiddenLine xmlns="" xmlns:a14="http://schemas.microsoft.com/office/drawing/2010/main" w="9525">
                   <a:solidFill>
                     <a:srgbClr val="000000"/>
                   </a:solidFill>
@@ -1916,7 +1916,7 @@
             </a:ln>
             <a:extLst>
               <a:ext uri="{91240B29-F687-4f45-9708-019B960494DF}">
-                <a14:hiddenLine xmlns:a14="http://schemas.microsoft.com/office/drawing/2010/main" xmlns="" w="9525">
+                <a14:hiddenLine xmlns="" xmlns:a14="http://schemas.microsoft.com/office/drawing/2010/main" w="9525">
                   <a:solidFill>
                     <a:srgbClr val="000000"/>
                   </a:solidFill>
@@ -2006,7 +2006,7 @@
             </a:ln>
             <a:extLst>
               <a:ext uri="{91240B29-F687-4f45-9708-019B960494DF}">
-                <a14:hiddenLine xmlns:a14="http://schemas.microsoft.com/office/drawing/2010/main" xmlns="" w="9525">
+                <a14:hiddenLine xmlns="" xmlns:a14="http://schemas.microsoft.com/office/drawing/2010/main" w="9525">
                   <a:solidFill>
                     <a:srgbClr val="000000"/>
                   </a:solidFill>
@@ -2074,7 +2074,7 @@
             </a:ln>
             <a:extLst>
               <a:ext uri="{91240B29-F687-4f45-9708-019B960494DF}">
-                <a14:hiddenLine xmlns:a14="http://schemas.microsoft.com/office/drawing/2010/main" xmlns="" w="9525">
+                <a14:hiddenLine xmlns="" xmlns:a14="http://schemas.microsoft.com/office/drawing/2010/main" w="9525">
                   <a:solidFill>
                     <a:srgbClr val="000000"/>
                   </a:solidFill>
@@ -2164,7 +2164,7 @@
             </a:ln>
             <a:extLst>
               <a:ext uri="{91240B29-F687-4f45-9708-019B960494DF}">
-                <a14:hiddenLine xmlns:a14="http://schemas.microsoft.com/office/drawing/2010/main" xmlns="" w="9525">
+                <a14:hiddenLine xmlns="" xmlns:a14="http://schemas.microsoft.com/office/drawing/2010/main" w="9525">
                   <a:solidFill>
                     <a:srgbClr val="000000"/>
                   </a:solidFill>
@@ -2232,7 +2232,7 @@
             </a:ln>
             <a:extLst>
               <a:ext uri="{91240B29-F687-4f45-9708-019B960494DF}">
-                <a14:hiddenLine xmlns:a14="http://schemas.microsoft.com/office/drawing/2010/main" xmlns="" w="9525">
+                <a14:hiddenLine xmlns="" xmlns:a14="http://schemas.microsoft.com/office/drawing/2010/main" w="9525">
                   <a:solidFill>
                     <a:srgbClr val="000000"/>
                   </a:solidFill>
@@ -2322,7 +2322,7 @@
             </a:ln>
             <a:extLst>
               <a:ext uri="{91240B29-F687-4f45-9708-019B960494DF}">
-                <a14:hiddenLine xmlns:a14="http://schemas.microsoft.com/office/drawing/2010/main" xmlns="" w="9525">
+                <a14:hiddenLine xmlns="" xmlns:a14="http://schemas.microsoft.com/office/drawing/2010/main" w="9525">
                   <a:solidFill>
                     <a:srgbClr val="000000"/>
                   </a:solidFill>
@@ -2356,7 +2356,7 @@
             </a:ln>
             <a:extLst>
               <a:ext uri="{91240B29-F687-4f45-9708-019B960494DF}">
-                <a14:hiddenLine xmlns:a14="http://schemas.microsoft.com/office/drawing/2010/main" xmlns="" w="9525">
+                <a14:hiddenLine xmlns="" xmlns:a14="http://schemas.microsoft.com/office/drawing/2010/main" w="9525">
                   <a:solidFill>
                     <a:srgbClr val="000000"/>
                   </a:solidFill>
@@ -2446,7 +2446,7 @@
             </a:ln>
             <a:extLst>
               <a:ext uri="{91240B29-F687-4f45-9708-019B960494DF}">
-                <a14:hiddenLine xmlns:a14="http://schemas.microsoft.com/office/drawing/2010/main" xmlns="" w="9525">
+                <a14:hiddenLine xmlns="" xmlns:a14="http://schemas.microsoft.com/office/drawing/2010/main" w="9525">
                   <a:solidFill>
                     <a:srgbClr val="000000"/>
                   </a:solidFill>
@@ -2508,7 +2508,7 @@
             </a:ln>
             <a:extLst>
               <a:ext uri="{91240B29-F687-4f45-9708-019B960494DF}">
-                <a14:hiddenLine xmlns:a14="http://schemas.microsoft.com/office/drawing/2010/main" xmlns="" w="9525">
+                <a14:hiddenLine xmlns="" xmlns:a14="http://schemas.microsoft.com/office/drawing/2010/main" w="9525">
                   <a:solidFill>
                     <a:srgbClr val="000000"/>
                   </a:solidFill>
@@ -2570,7 +2570,7 @@
             </a:ln>
             <a:extLst>
               <a:ext uri="{91240B29-F687-4f45-9708-019B960494DF}">
-                <a14:hiddenLine xmlns:a14="http://schemas.microsoft.com/office/drawing/2010/main" xmlns="" w="9525">
+                <a14:hiddenLine xmlns="" xmlns:a14="http://schemas.microsoft.com/office/drawing/2010/main" w="9525">
                   <a:solidFill>
                     <a:srgbClr val="000000"/>
                   </a:solidFill>
@@ -2660,7 +2660,7 @@
             </a:ln>
             <a:extLst>
               <a:ext uri="{91240B29-F687-4f45-9708-019B960494DF}">
-                <a14:hiddenLine xmlns:a14="http://schemas.microsoft.com/office/drawing/2010/main" xmlns="" w="9525">
+                <a14:hiddenLine xmlns="" xmlns:a14="http://schemas.microsoft.com/office/drawing/2010/main" w="9525">
                   <a:solidFill>
                     <a:srgbClr val="000000"/>
                   </a:solidFill>
@@ -2728,7 +2728,7 @@
             </a:ln>
             <a:extLst>
               <a:ext uri="{91240B29-F687-4f45-9708-019B960494DF}">
-                <a14:hiddenLine xmlns:a14="http://schemas.microsoft.com/office/drawing/2010/main" xmlns="" w="9525">
+                <a14:hiddenLine xmlns="" xmlns:a14="http://schemas.microsoft.com/office/drawing/2010/main" w="9525">
                   <a:solidFill>
                     <a:srgbClr val="000000"/>
                   </a:solidFill>
@@ -2790,7 +2790,7 @@
             </a:ln>
             <a:extLst>
               <a:ext uri="{91240B29-F687-4f45-9708-019B960494DF}">
-                <a14:hiddenLine xmlns:a14="http://schemas.microsoft.com/office/drawing/2010/main" xmlns="" w="9525">
+                <a14:hiddenLine xmlns="" xmlns:a14="http://schemas.microsoft.com/office/drawing/2010/main" w="9525">
                   <a:solidFill>
                     <a:srgbClr val="000000"/>
                   </a:solidFill>
@@ -2880,7 +2880,7 @@
             </a:ln>
             <a:extLst>
               <a:ext uri="{91240B29-F687-4f45-9708-019B960494DF}">
-                <a14:hiddenLine xmlns:a14="http://schemas.microsoft.com/office/drawing/2010/main" xmlns="" w="9525">
+                <a14:hiddenLine xmlns="" xmlns:a14="http://schemas.microsoft.com/office/drawing/2010/main" w="9525">
                   <a:solidFill>
                     <a:srgbClr val="000000"/>
                   </a:solidFill>
@@ -2942,7 +2942,7 @@
             </a:ln>
             <a:extLst>
               <a:ext uri="{91240B29-F687-4f45-9708-019B960494DF}">
-                <a14:hiddenLine xmlns:a14="http://schemas.microsoft.com/office/drawing/2010/main" xmlns="" w="9525">
+                <a14:hiddenLine xmlns="" xmlns:a14="http://schemas.microsoft.com/office/drawing/2010/main" w="9525">
                   <a:solidFill>
                     <a:srgbClr val="000000"/>
                   </a:solidFill>
@@ -3032,7 +3032,7 @@
             </a:ln>
             <a:extLst>
               <a:ext uri="{91240B29-F687-4f45-9708-019B960494DF}">
-                <a14:hiddenLine xmlns:a14="http://schemas.microsoft.com/office/drawing/2010/main" xmlns="" w="9525">
+                <a14:hiddenLine xmlns="" xmlns:a14="http://schemas.microsoft.com/office/drawing/2010/main" w="9525">
                   <a:solidFill>
                     <a:srgbClr val="000000"/>
                   </a:solidFill>
@@ -3094,7 +3094,7 @@
             </a:ln>
             <a:extLst>
               <a:ext uri="{91240B29-F687-4f45-9708-019B960494DF}">
-                <a14:hiddenLine xmlns:a14="http://schemas.microsoft.com/office/drawing/2010/main" xmlns="" w="9525">
+                <a14:hiddenLine xmlns="" xmlns:a14="http://schemas.microsoft.com/office/drawing/2010/main" w="9525">
                   <a:solidFill>
                     <a:srgbClr val="000000"/>
                   </a:solidFill>
@@ -3184,7 +3184,7 @@
             </a:ln>
             <a:extLst>
               <a:ext uri="{91240B29-F687-4f45-9708-019B960494DF}">
-                <a14:hiddenLine xmlns:a14="http://schemas.microsoft.com/office/drawing/2010/main" xmlns="" w="9525">
+                <a14:hiddenLine xmlns="" xmlns:a14="http://schemas.microsoft.com/office/drawing/2010/main" w="9525">
                   <a:solidFill>
                     <a:srgbClr val="000000"/>
                   </a:solidFill>
@@ -3218,7 +3218,7 @@
             </a:ln>
             <a:extLst>
               <a:ext uri="{91240B29-F687-4f45-9708-019B960494DF}">
-                <a14:hiddenLine xmlns:a14="http://schemas.microsoft.com/office/drawing/2010/main" xmlns="" w="9525">
+                <a14:hiddenLine xmlns="" xmlns:a14="http://schemas.microsoft.com/office/drawing/2010/main" w="9525">
                   <a:solidFill>
                     <a:srgbClr val="000000"/>
                   </a:solidFill>
@@ -3283,7 +3283,7 @@
             </a:ln>
             <a:extLst>
               <a:ext uri="{91240B29-F687-4f45-9708-019B960494DF}">
-                <a14:hiddenLine xmlns:a14="http://schemas.microsoft.com/office/drawing/2010/main" xmlns="" w="9525">
+                <a14:hiddenLine xmlns="" xmlns:a14="http://schemas.microsoft.com/office/drawing/2010/main" w="9525">
                   <a:solidFill>
                     <a:srgbClr val="000000"/>
                   </a:solidFill>
@@ -3373,7 +3373,7 @@
             </a:ln>
             <a:extLst>
               <a:ext uri="{91240B29-F687-4f45-9708-019B960494DF}">
-                <a14:hiddenLine xmlns:a14="http://schemas.microsoft.com/office/drawing/2010/main" xmlns="" w="9525">
+                <a14:hiddenLine xmlns="" xmlns:a14="http://schemas.microsoft.com/office/drawing/2010/main" w="9525">
                   <a:solidFill>
                     <a:srgbClr val="000000"/>
                   </a:solidFill>
@@ -3435,7 +3435,7 @@
             </a:ln>
             <a:extLst>
               <a:ext uri="{91240B29-F687-4f45-9708-019B960494DF}">
-                <a14:hiddenLine xmlns:a14="http://schemas.microsoft.com/office/drawing/2010/main" xmlns="" w="9525">
+                <a14:hiddenLine xmlns="" xmlns:a14="http://schemas.microsoft.com/office/drawing/2010/main" w="9525">
                   <a:solidFill>
                     <a:srgbClr val="000000"/>
                   </a:solidFill>
@@ -3525,7 +3525,7 @@
             </a:ln>
             <a:extLst>
               <a:ext uri="{91240B29-F687-4f45-9708-019B960494DF}">
-                <a14:hiddenLine xmlns:a14="http://schemas.microsoft.com/office/drawing/2010/main" xmlns="" w="9525">
+                <a14:hiddenLine xmlns="" xmlns:a14="http://schemas.microsoft.com/office/drawing/2010/main" w="9525">
                   <a:solidFill>
                     <a:srgbClr val="000000"/>
                   </a:solidFill>
@@ -3615,7 +3615,7 @@
             </a:ln>
             <a:extLst>
               <a:ext uri="{91240B29-F687-4f45-9708-019B960494DF}">
-                <a14:hiddenLine xmlns:a14="http://schemas.microsoft.com/office/drawing/2010/main" xmlns="" w="9525">
+                <a14:hiddenLine xmlns="" xmlns:a14="http://schemas.microsoft.com/office/drawing/2010/main" w="9525">
                   <a:solidFill>
                     <a:srgbClr val="000000"/>
                   </a:solidFill>
@@ -3680,7 +3680,7 @@
             </a:ln>
             <a:extLst>
               <a:ext uri="{91240B29-F687-4f45-9708-019B960494DF}">
-                <a14:hiddenLine xmlns:a14="http://schemas.microsoft.com/office/drawing/2010/main" xmlns="" w="9525">
+                <a14:hiddenLine xmlns="" xmlns:a14="http://schemas.microsoft.com/office/drawing/2010/main" w="9525">
                   <a:solidFill>
                     <a:srgbClr val="000000"/>
                   </a:solidFill>
@@ -3742,7 +3742,7 @@
             </a:ln>
             <a:extLst>
               <a:ext uri="{91240B29-F687-4f45-9708-019B960494DF}">
-                <a14:hiddenLine xmlns:a14="http://schemas.microsoft.com/office/drawing/2010/main" xmlns="" w="9525">
+                <a14:hiddenLine xmlns="" xmlns:a14="http://schemas.microsoft.com/office/drawing/2010/main" w="9525">
                   <a:solidFill>
                     <a:srgbClr val="000000"/>
                   </a:solidFill>
@@ -3832,7 +3832,7 @@
             </a:ln>
             <a:extLst>
               <a:ext uri="{91240B29-F687-4f45-9708-019B960494DF}">
-                <a14:hiddenLine xmlns:a14="http://schemas.microsoft.com/office/drawing/2010/main" xmlns="" w="9525">
+                <a14:hiddenLine xmlns="" xmlns:a14="http://schemas.microsoft.com/office/drawing/2010/main" w="9525">
                   <a:solidFill>
                     <a:srgbClr val="000000"/>
                   </a:solidFill>
@@ -3922,7 +3922,7 @@
             </a:ln>
             <a:extLst>
               <a:ext uri="{91240B29-F687-4f45-9708-019B960494DF}">
-                <a14:hiddenLine xmlns:a14="http://schemas.microsoft.com/office/drawing/2010/main" xmlns="" w="9525">
+                <a14:hiddenLine xmlns="" xmlns:a14="http://schemas.microsoft.com/office/drawing/2010/main" w="9525">
                   <a:solidFill>
                     <a:srgbClr val="000000"/>
                   </a:solidFill>
@@ -3984,7 +3984,7 @@
             </a:ln>
             <a:extLst>
               <a:ext uri="{91240B29-F687-4f45-9708-019B960494DF}">
-                <a14:hiddenLine xmlns:a14="http://schemas.microsoft.com/office/drawing/2010/main" xmlns="" w="9525">
+                <a14:hiddenLine xmlns="" xmlns:a14="http://schemas.microsoft.com/office/drawing/2010/main" w="9525">
                   <a:solidFill>
                     <a:srgbClr val="000000"/>
                   </a:solidFill>
@@ -4104,7 +4104,7 @@
             </a:ln>
             <a:extLst>
               <a:ext uri="{91240B29-F687-4f45-9708-019B960494DF}">
-                <a14:hiddenLine xmlns:a14="http://schemas.microsoft.com/office/drawing/2010/main" xmlns="" w="9525">
+                <a14:hiddenLine xmlns="" xmlns:a14="http://schemas.microsoft.com/office/drawing/2010/main" w="9525">
                   <a:solidFill>
                     <a:srgbClr val="000000"/>
                   </a:solidFill>
@@ -4172,7 +4172,7 @@
             </a:ln>
             <a:extLst>
               <a:ext uri="{91240B29-F687-4f45-9708-019B960494DF}">
-                <a14:hiddenLine xmlns:a14="http://schemas.microsoft.com/office/drawing/2010/main" xmlns="" w="9525">
+                <a14:hiddenLine xmlns="" xmlns:a14="http://schemas.microsoft.com/office/drawing/2010/main" w="9525">
                   <a:solidFill>
                     <a:srgbClr val="000000"/>
                   </a:solidFill>
@@ -4262,7 +4262,7 @@
             </a:ln>
             <a:extLst>
               <a:ext uri="{91240B29-F687-4f45-9708-019B960494DF}">
-                <a14:hiddenLine xmlns:a14="http://schemas.microsoft.com/office/drawing/2010/main" xmlns="" w="9525">
+                <a14:hiddenLine xmlns="" xmlns:a14="http://schemas.microsoft.com/office/drawing/2010/main" w="9525">
                   <a:solidFill>
                     <a:srgbClr val="000000"/>
                   </a:solidFill>
@@ -4402,7 +4402,7 @@
           <a:p>
             <a:fld id="{1160EA64-D806-43AC-9DF2-F8C432F32B4C}" type="datetimeFigureOut">
               <a:rPr lang="en-US" smtClean="0"/>
-              <a:t>12/6/2024</a:t>
+              <a:t>12/20/2024</a:t>
             </a:fld>
             <a:endParaRPr lang="en-US" dirty="0"/>
           </a:p>
@@ -4670,7 +4670,7 @@
           <a:p>
             <a:fld id="{1160EA64-D806-43AC-9DF2-F8C432F32B4C}" type="datetimeFigureOut">
               <a:rPr lang="en-US" smtClean="0"/>
-              <a:t>12/6/2024</a:t>
+              <a:t>12/20/2024</a:t>
             </a:fld>
             <a:endParaRPr lang="en-US" dirty="0"/>
           </a:p>
@@ -4868,7 +4868,7 @@
           <a:p>
             <a:fld id="{1160EA64-D806-43AC-9DF2-F8C432F32B4C}" type="datetimeFigureOut">
               <a:rPr lang="en-US" smtClean="0"/>
-              <a:t>12/6/2024</a:t>
+              <a:t>12/20/2024</a:t>
             </a:fld>
             <a:endParaRPr lang="en-US" dirty="0"/>
           </a:p>
@@ -5133,7 +5133,7 @@
           <a:p>
             <a:fld id="{1160EA64-D806-43AC-9DF2-F8C432F32B4C}" type="datetimeFigureOut">
               <a:rPr lang="en-US" smtClean="0"/>
-              <a:t>12/6/2024</a:t>
+              <a:t>12/20/2024</a:t>
             </a:fld>
             <a:endParaRPr lang="en-US" dirty="0"/>
           </a:p>
@@ -5569,7 +5569,7 @@
           <a:p>
             <a:fld id="{1160EA64-D806-43AC-9DF2-F8C432F32B4C}" type="datetimeFigureOut">
               <a:rPr lang="en-US" smtClean="0"/>
-              <a:t>12/6/2024</a:t>
+              <a:t>12/20/2024</a:t>
             </a:fld>
             <a:endParaRPr lang="en-US" dirty="0"/>
           </a:p>
@@ -6117,7 +6117,7 @@
           <a:p>
             <a:fld id="{1160EA64-D806-43AC-9DF2-F8C432F32B4C}" type="datetimeFigureOut">
               <a:rPr lang="en-US" smtClean="0"/>
-              <a:t>12/6/2024</a:t>
+              <a:t>12/20/2024</a:t>
             </a:fld>
             <a:endParaRPr lang="en-US" dirty="0"/>
           </a:p>
@@ -6839,7 +6839,7 @@
           <a:p>
             <a:fld id="{1160EA64-D806-43AC-9DF2-F8C432F32B4C}" type="datetimeFigureOut">
               <a:rPr lang="en-US" smtClean="0"/>
-              <a:t>12/6/2024</a:t>
+              <a:t>12/20/2024</a:t>
             </a:fld>
             <a:endParaRPr lang="en-US" dirty="0"/>
           </a:p>
@@ -7011,7 +7011,7 @@
           <a:p>
             <a:fld id="{E9F9C37B-1D36-470B-8223-D6C91242EC14}" type="datetimeFigureOut">
               <a:rPr lang="en-US" smtClean="0"/>
-              <a:t>12/6/2024</a:t>
+              <a:t>12/20/2024</a:t>
             </a:fld>
             <a:endParaRPr lang="en-US" dirty="0"/>
           </a:p>
@@ -7191,7 +7191,7 @@
           <a:p>
             <a:fld id="{67C6F52A-A82B-47A2-A83A-8C4C91F2D59F}" type="datetimeFigureOut">
               <a:rPr lang="en-US" smtClean="0"/>
-              <a:t>12/6/2024</a:t>
+              <a:t>12/20/2024</a:t>
             </a:fld>
             <a:endParaRPr lang="en-US" dirty="0"/>
           </a:p>
@@ -7361,7 +7361,7 @@
           <a:p>
             <a:fld id="{F070A7B3-6521-4DCA-87E5-044747A908C1}" type="datetimeFigureOut">
               <a:rPr lang="en-US" smtClean="0"/>
-              <a:t>12/6/2024</a:t>
+              <a:t>12/20/2024</a:t>
             </a:fld>
             <a:endParaRPr lang="en-US" dirty="0"/>
           </a:p>
@@ -7612,7 +7612,7 @@
           <a:p>
             <a:fld id="{1160EA64-D806-43AC-9DF2-F8C432F32B4C}" type="datetimeFigureOut">
               <a:rPr lang="en-US" smtClean="0"/>
-              <a:t>12/6/2024</a:t>
+              <a:t>12/20/2024</a:t>
             </a:fld>
             <a:endParaRPr lang="en-US" dirty="0"/>
           </a:p>
@@ -7845,7 +7845,7 @@
           <a:p>
             <a:fld id="{AB134690-1557-4C89-A502-4959FE7FAD70}" type="datetimeFigureOut">
               <a:rPr lang="en-US" smtClean="0"/>
-              <a:t>12/6/2024</a:t>
+              <a:t>12/20/2024</a:t>
             </a:fld>
             <a:endParaRPr lang="en-US" dirty="0"/>
           </a:p>
@@ -8226,7 +8226,7 @@
           <a:p>
             <a:fld id="{1160EA64-D806-43AC-9DF2-F8C432F32B4C}" type="datetimeFigureOut">
               <a:rPr lang="en-US" smtClean="0"/>
-              <a:t>12/6/2024</a:t>
+              <a:t>12/20/2024</a:t>
             </a:fld>
             <a:endParaRPr lang="en-US" dirty="0"/>
           </a:p>
@@ -8346,7 +8346,7 @@
           <a:p>
             <a:fld id="{E1037C31-9E7A-4F99-8774-A0E530DE1A42}" type="datetimeFigureOut">
               <a:rPr lang="en-US" smtClean="0"/>
-              <a:t>12/6/2024</a:t>
+              <a:t>12/20/2024</a:t>
             </a:fld>
             <a:endParaRPr lang="en-US" dirty="0"/>
           </a:p>
@@ -8441,7 +8441,7 @@
           <a:p>
             <a:fld id="{C278504F-A551-4DE0-9316-4DCD1D8CC752}" type="datetimeFigureOut">
               <a:rPr lang="en-US" smtClean="0"/>
-              <a:t>12/6/2024</a:t>
+              <a:t>12/20/2024</a:t>
             </a:fld>
             <a:endParaRPr lang="en-US" dirty="0"/>
           </a:p>
@@ -8690,7 +8690,7 @@
           <a:p>
             <a:fld id="{D1BE4249-C0D0-4B06-8692-E8BB871AF643}" type="datetimeFigureOut">
               <a:rPr lang="en-US" smtClean="0"/>
-              <a:t>12/6/2024</a:t>
+              <a:t>12/20/2024</a:t>
             </a:fld>
             <a:endParaRPr lang="en-US" dirty="0"/>
           </a:p>
@@ -8970,7 +8970,7 @@
           <a:p>
             <a:fld id="{042B0DB6-F5C7-45FB-8CF3-31B45F9C2DAC}" type="datetimeFigureOut">
               <a:rPr lang="en-US" smtClean="0"/>
-              <a:t>12/6/2024</a:t>
+              <a:t>12/20/2024</a:t>
             </a:fld>
             <a:endParaRPr lang="en-US" dirty="0"/>
           </a:p>
@@ -9086,7 +9086,7 @@
           <a:noFill/>
           <a:extLst>
             <a:ext uri="{909E8E84-426E-40dd-AFC4-6F175D3DCCD1}">
-              <a14:hiddenFill xmlns:a14="http://schemas.microsoft.com/office/drawing/2010/main" xmlns="">
+              <a14:hiddenFill xmlns="" xmlns:a14="http://schemas.microsoft.com/office/drawing/2010/main">
                 <a:solidFill>
                   <a:srgbClr val="FFFFFF"/>
                 </a:solidFill>
@@ -9160,7 +9160,7 @@
               </a:ln>
               <a:extLst>
                 <a:ext uri="{91240B29-F687-4f45-9708-019B960494DF}">
-                  <a14:hiddenLine xmlns:a14="http://schemas.microsoft.com/office/drawing/2010/main" xmlns="" w="9525">
+                  <a14:hiddenLine xmlns="" xmlns:a14="http://schemas.microsoft.com/office/drawing/2010/main" w="9525">
                     <a:solidFill>
                       <a:srgbClr val="000000"/>
                     </a:solidFill>
@@ -9250,7 +9250,7 @@
               </a:ln>
               <a:extLst>
                 <a:ext uri="{91240B29-F687-4f45-9708-019B960494DF}">
-                  <a14:hiddenLine xmlns:a14="http://schemas.microsoft.com/office/drawing/2010/main" xmlns="" w="9525">
+                  <a14:hiddenLine xmlns="" xmlns:a14="http://schemas.microsoft.com/office/drawing/2010/main" w="9525">
                     <a:solidFill>
                       <a:srgbClr val="000000"/>
                     </a:solidFill>
@@ -9340,7 +9340,7 @@
               </a:ln>
               <a:extLst>
                 <a:ext uri="{91240B29-F687-4f45-9708-019B960494DF}">
-                  <a14:hiddenLine xmlns:a14="http://schemas.microsoft.com/office/drawing/2010/main" xmlns="" w="9525">
+                  <a14:hiddenLine xmlns="" xmlns:a14="http://schemas.microsoft.com/office/drawing/2010/main" w="9525">
                     <a:solidFill>
                       <a:srgbClr val="000000"/>
                     </a:solidFill>
@@ -9402,7 +9402,7 @@
               </a:ln>
               <a:extLst>
                 <a:ext uri="{91240B29-F687-4f45-9708-019B960494DF}">
-                  <a14:hiddenLine xmlns:a14="http://schemas.microsoft.com/office/drawing/2010/main" xmlns="" w="9525">
+                  <a14:hiddenLine xmlns="" xmlns:a14="http://schemas.microsoft.com/office/drawing/2010/main" w="9525">
                     <a:solidFill>
                       <a:srgbClr val="000000"/>
                     </a:solidFill>
@@ -9492,7 +9492,7 @@
               </a:ln>
               <a:extLst>
                 <a:ext uri="{91240B29-F687-4f45-9708-019B960494DF}">
-                  <a14:hiddenLine xmlns:a14="http://schemas.microsoft.com/office/drawing/2010/main" xmlns="" w="9525">
+                  <a14:hiddenLine xmlns="" xmlns:a14="http://schemas.microsoft.com/office/drawing/2010/main" w="9525">
                     <a:solidFill>
                       <a:srgbClr val="000000"/>
                     </a:solidFill>
@@ -9554,7 +9554,7 @@
               </a:ln>
               <a:extLst>
                 <a:ext uri="{91240B29-F687-4f45-9708-019B960494DF}">
-                  <a14:hiddenLine xmlns:a14="http://schemas.microsoft.com/office/drawing/2010/main" xmlns="" w="9525">
+                  <a14:hiddenLine xmlns="" xmlns:a14="http://schemas.microsoft.com/office/drawing/2010/main" w="9525">
                     <a:solidFill>
                       <a:srgbClr val="000000"/>
                     </a:solidFill>
@@ -9616,7 +9616,7 @@
               </a:ln>
               <a:extLst>
                 <a:ext uri="{91240B29-F687-4f45-9708-019B960494DF}">
-                  <a14:hiddenLine xmlns:a14="http://schemas.microsoft.com/office/drawing/2010/main" xmlns="" w="9525">
+                  <a14:hiddenLine xmlns="" xmlns:a14="http://schemas.microsoft.com/office/drawing/2010/main" w="9525">
                     <a:solidFill>
                       <a:srgbClr val="000000"/>
                     </a:solidFill>
@@ -9706,7 +9706,7 @@
               </a:ln>
               <a:extLst>
                 <a:ext uri="{91240B29-F687-4f45-9708-019B960494DF}">
-                  <a14:hiddenLine xmlns:a14="http://schemas.microsoft.com/office/drawing/2010/main" xmlns="" w="9525">
+                  <a14:hiddenLine xmlns="" xmlns:a14="http://schemas.microsoft.com/office/drawing/2010/main" w="9525">
                     <a:solidFill>
                       <a:srgbClr val="000000"/>
                     </a:solidFill>
@@ -9796,7 +9796,7 @@
               </a:ln>
               <a:extLst>
                 <a:ext uri="{91240B29-F687-4f45-9708-019B960494DF}">
-                  <a14:hiddenLine xmlns:a14="http://schemas.microsoft.com/office/drawing/2010/main" xmlns="" w="9525">
+                  <a14:hiddenLine xmlns="" xmlns:a14="http://schemas.microsoft.com/office/drawing/2010/main" w="9525">
                     <a:solidFill>
                       <a:srgbClr val="000000"/>
                     </a:solidFill>
@@ -9858,7 +9858,7 @@
               </a:ln>
               <a:extLst>
                 <a:ext uri="{91240B29-F687-4f45-9708-019B960494DF}">
-                  <a14:hiddenLine xmlns:a14="http://schemas.microsoft.com/office/drawing/2010/main" xmlns="" w="9525">
+                  <a14:hiddenLine xmlns="" xmlns:a14="http://schemas.microsoft.com/office/drawing/2010/main" w="9525">
                     <a:solidFill>
                       <a:srgbClr val="000000"/>
                     </a:solidFill>
@@ -9968,7 +9968,7 @@
               </a:ln>
               <a:extLst>
                 <a:ext uri="{91240B29-F687-4f45-9708-019B960494DF}">
-                  <a14:hiddenLine xmlns:a14="http://schemas.microsoft.com/office/drawing/2010/main" xmlns="" w="9525">
+                  <a14:hiddenLine xmlns="" xmlns:a14="http://schemas.microsoft.com/office/drawing/2010/main" w="9525">
                     <a:solidFill>
                       <a:srgbClr val="000000"/>
                     </a:solidFill>
@@ -10052,7 +10052,7 @@
               </a:ln>
               <a:extLst>
                 <a:ext uri="{91240B29-F687-4f45-9708-019B960494DF}">
-                  <a14:hiddenLine xmlns:a14="http://schemas.microsoft.com/office/drawing/2010/main" xmlns="" w="9525">
+                  <a14:hiddenLine xmlns="" xmlns:a14="http://schemas.microsoft.com/office/drawing/2010/main" w="9525">
                     <a:solidFill>
                       <a:srgbClr val="000000"/>
                     </a:solidFill>
@@ -10114,7 +10114,7 @@
               </a:ln>
               <a:extLst>
                 <a:ext uri="{91240B29-F687-4f45-9708-019B960494DF}">
-                  <a14:hiddenLine xmlns:a14="http://schemas.microsoft.com/office/drawing/2010/main" xmlns="" w="9525">
+                  <a14:hiddenLine xmlns="" xmlns:a14="http://schemas.microsoft.com/office/drawing/2010/main" w="9525">
                     <a:solidFill>
                       <a:srgbClr val="000000"/>
                     </a:solidFill>
@@ -10176,7 +10176,7 @@
               </a:ln>
               <a:extLst>
                 <a:ext uri="{91240B29-F687-4f45-9708-019B960494DF}">
-                  <a14:hiddenLine xmlns:a14="http://schemas.microsoft.com/office/drawing/2010/main" xmlns="" w="9525">
+                  <a14:hiddenLine xmlns="" xmlns:a14="http://schemas.microsoft.com/office/drawing/2010/main" w="9525">
                     <a:solidFill>
                       <a:srgbClr val="000000"/>
                     </a:solidFill>
@@ -10266,7 +10266,7 @@
               </a:ln>
               <a:extLst>
                 <a:ext uri="{91240B29-F687-4f45-9708-019B960494DF}">
-                  <a14:hiddenLine xmlns:a14="http://schemas.microsoft.com/office/drawing/2010/main" xmlns="" w="9525">
+                  <a14:hiddenLine xmlns="" xmlns:a14="http://schemas.microsoft.com/office/drawing/2010/main" w="9525">
                     <a:solidFill>
                       <a:srgbClr val="000000"/>
                     </a:solidFill>
@@ -10300,7 +10300,7 @@
               </a:ln>
               <a:extLst>
                 <a:ext uri="{91240B29-F687-4f45-9708-019B960494DF}">
-                  <a14:hiddenLine xmlns:a14="http://schemas.microsoft.com/office/drawing/2010/main" xmlns="" w="9525">
+                  <a14:hiddenLine xmlns="" xmlns:a14="http://schemas.microsoft.com/office/drawing/2010/main" w="9525">
                     <a:solidFill>
                       <a:srgbClr val="000000"/>
                     </a:solidFill>
@@ -10365,7 +10365,7 @@
               </a:ln>
               <a:extLst>
                 <a:ext uri="{91240B29-F687-4f45-9708-019B960494DF}">
-                  <a14:hiddenLine xmlns:a14="http://schemas.microsoft.com/office/drawing/2010/main" xmlns="" w="9525">
+                  <a14:hiddenLine xmlns="" xmlns:a14="http://schemas.microsoft.com/office/drawing/2010/main" w="9525">
                     <a:solidFill>
                       <a:srgbClr val="000000"/>
                     </a:solidFill>
@@ -10455,7 +10455,7 @@
               </a:ln>
               <a:extLst>
                 <a:ext uri="{91240B29-F687-4f45-9708-019B960494DF}">
-                  <a14:hiddenLine xmlns:a14="http://schemas.microsoft.com/office/drawing/2010/main" xmlns="" w="9525">
+                  <a14:hiddenLine xmlns="" xmlns:a14="http://schemas.microsoft.com/office/drawing/2010/main" w="9525">
                     <a:solidFill>
                       <a:srgbClr val="000000"/>
                     </a:solidFill>
@@ -10517,7 +10517,7 @@
               </a:ln>
               <a:extLst>
                 <a:ext uri="{91240B29-F687-4f45-9708-019B960494DF}">
-                  <a14:hiddenLine xmlns:a14="http://schemas.microsoft.com/office/drawing/2010/main" xmlns="" w="9525">
+                  <a14:hiddenLine xmlns="" xmlns:a14="http://schemas.microsoft.com/office/drawing/2010/main" w="9525">
                     <a:solidFill>
                       <a:srgbClr val="000000"/>
                     </a:solidFill>
@@ -10607,7 +10607,7 @@
               </a:ln>
               <a:extLst>
                 <a:ext uri="{91240B29-F687-4f45-9708-019B960494DF}">
-                  <a14:hiddenLine xmlns:a14="http://schemas.microsoft.com/office/drawing/2010/main" xmlns="" w="9525">
+                  <a14:hiddenLine xmlns="" xmlns:a14="http://schemas.microsoft.com/office/drawing/2010/main" w="9525">
                     <a:solidFill>
                       <a:srgbClr val="000000"/>
                     </a:solidFill>
@@ -10672,7 +10672,7 @@
               </a:ln>
               <a:extLst>
                 <a:ext uri="{91240B29-F687-4f45-9708-019B960494DF}">
-                  <a14:hiddenLine xmlns:a14="http://schemas.microsoft.com/office/drawing/2010/main" xmlns="" w="9525">
+                  <a14:hiddenLine xmlns="" xmlns:a14="http://schemas.microsoft.com/office/drawing/2010/main" w="9525">
                     <a:solidFill>
                       <a:srgbClr val="000000"/>
                     </a:solidFill>
@@ -10734,7 +10734,7 @@
               </a:ln>
               <a:extLst>
                 <a:ext uri="{91240B29-F687-4f45-9708-019B960494DF}">
-                  <a14:hiddenLine xmlns:a14="http://schemas.microsoft.com/office/drawing/2010/main" xmlns="" w="9525">
+                  <a14:hiddenLine xmlns="" xmlns:a14="http://schemas.microsoft.com/office/drawing/2010/main" w="9525">
                     <a:solidFill>
                       <a:srgbClr val="000000"/>
                     </a:solidFill>
@@ -10824,7 +10824,7 @@
               </a:ln>
               <a:extLst>
                 <a:ext uri="{91240B29-F687-4f45-9708-019B960494DF}">
-                  <a14:hiddenLine xmlns:a14="http://schemas.microsoft.com/office/drawing/2010/main" xmlns="" w="9525">
+                  <a14:hiddenLine xmlns="" xmlns:a14="http://schemas.microsoft.com/office/drawing/2010/main" w="9525">
                     <a:solidFill>
                       <a:srgbClr val="000000"/>
                     </a:solidFill>
@@ -10914,7 +10914,7 @@
               </a:ln>
               <a:extLst>
                 <a:ext uri="{91240B29-F687-4f45-9708-019B960494DF}">
-                  <a14:hiddenLine xmlns:a14="http://schemas.microsoft.com/office/drawing/2010/main" xmlns="" w="9525">
+                  <a14:hiddenLine xmlns="" xmlns:a14="http://schemas.microsoft.com/office/drawing/2010/main" w="9525">
                     <a:solidFill>
                       <a:srgbClr val="000000"/>
                     </a:solidFill>
@@ -10979,7 +10979,7 @@
               </a:ln>
               <a:extLst>
                 <a:ext uri="{91240B29-F687-4f45-9708-019B960494DF}">
-                  <a14:hiddenLine xmlns:a14="http://schemas.microsoft.com/office/drawing/2010/main" xmlns="" w="9525">
+                  <a14:hiddenLine xmlns="" xmlns:a14="http://schemas.microsoft.com/office/drawing/2010/main" w="9525">
                     <a:solidFill>
                       <a:srgbClr val="000000"/>
                     </a:solidFill>
@@ -11099,7 +11099,7 @@
               </a:ln>
               <a:extLst>
                 <a:ext uri="{91240B29-F687-4f45-9708-019B960494DF}">
-                  <a14:hiddenLine xmlns:a14="http://schemas.microsoft.com/office/drawing/2010/main" xmlns="" w="9525">
+                  <a14:hiddenLine xmlns="" xmlns:a14="http://schemas.microsoft.com/office/drawing/2010/main" w="9525">
                     <a:solidFill>
                       <a:srgbClr val="000000"/>
                     </a:solidFill>
@@ -11197,7 +11197,7 @@
               </a:ln>
               <a:extLst>
                 <a:ext uri="{91240B29-F687-4f45-9708-019B960494DF}">
-                  <a14:hiddenLine xmlns:a14="http://schemas.microsoft.com/office/drawing/2010/main" xmlns="" w="9525">
+                  <a14:hiddenLine xmlns="" xmlns:a14="http://schemas.microsoft.com/office/drawing/2010/main" w="9525">
                     <a:solidFill>
                       <a:srgbClr val="000000"/>
                     </a:solidFill>
@@ -11312,7 +11312,7 @@
               </a:ln>
               <a:extLst>
                 <a:ext uri="{91240B29-F687-4f45-9708-019B960494DF}">
-                  <a14:hiddenLine xmlns:a14="http://schemas.microsoft.com/office/drawing/2010/main" xmlns="" w="9525">
+                  <a14:hiddenLine xmlns="" xmlns:a14="http://schemas.microsoft.com/office/drawing/2010/main" w="9525">
                     <a:solidFill>
                       <a:srgbClr val="000000"/>
                     </a:solidFill>
@@ -11402,7 +11402,7 @@
               </a:ln>
               <a:extLst>
                 <a:ext uri="{91240B29-F687-4f45-9708-019B960494DF}">
-                  <a14:hiddenLine xmlns:a14="http://schemas.microsoft.com/office/drawing/2010/main" xmlns="" w="9525">
+                  <a14:hiddenLine xmlns="" xmlns:a14="http://schemas.microsoft.com/office/drawing/2010/main" w="9525">
                     <a:solidFill>
                       <a:srgbClr val="000000"/>
                     </a:solidFill>
@@ -11467,7 +11467,7 @@
               </a:ln>
               <a:extLst>
                 <a:ext uri="{91240B29-F687-4f45-9708-019B960494DF}">
-                  <a14:hiddenLine xmlns:a14="http://schemas.microsoft.com/office/drawing/2010/main" xmlns="" w="9525">
+                  <a14:hiddenLine xmlns="" xmlns:a14="http://schemas.microsoft.com/office/drawing/2010/main" w="9525">
                     <a:solidFill>
                       <a:srgbClr val="000000"/>
                     </a:solidFill>
@@ -11557,7 +11557,7 @@
               </a:ln>
               <a:extLst>
                 <a:ext uri="{91240B29-F687-4f45-9708-019B960494DF}">
-                  <a14:hiddenLine xmlns:a14="http://schemas.microsoft.com/office/drawing/2010/main" xmlns="" w="9525">
+                  <a14:hiddenLine xmlns="" xmlns:a14="http://schemas.microsoft.com/office/drawing/2010/main" w="9525">
                     <a:solidFill>
                       <a:srgbClr val="000000"/>
                     </a:solidFill>
@@ -11625,7 +11625,7 @@
               </a:ln>
               <a:extLst>
                 <a:ext uri="{91240B29-F687-4f45-9708-019B960494DF}">
-                  <a14:hiddenLine xmlns:a14="http://schemas.microsoft.com/office/drawing/2010/main" xmlns="" w="9525">
+                  <a14:hiddenLine xmlns="" xmlns:a14="http://schemas.microsoft.com/office/drawing/2010/main" w="9525">
                     <a:solidFill>
                       <a:srgbClr val="000000"/>
                     </a:solidFill>
@@ -11715,7 +11715,7 @@
               </a:ln>
               <a:extLst>
                 <a:ext uri="{91240B29-F687-4f45-9708-019B960494DF}">
-                  <a14:hiddenLine xmlns:a14="http://schemas.microsoft.com/office/drawing/2010/main" xmlns="" w="9525">
+                  <a14:hiddenLine xmlns="" xmlns:a14="http://schemas.microsoft.com/office/drawing/2010/main" w="9525">
                     <a:solidFill>
                       <a:srgbClr val="000000"/>
                     </a:solidFill>
@@ -11783,7 +11783,7 @@
               </a:ln>
               <a:extLst>
                 <a:ext uri="{91240B29-F687-4f45-9708-019B960494DF}">
-                  <a14:hiddenLine xmlns:a14="http://schemas.microsoft.com/office/drawing/2010/main" xmlns="" w="9525">
+                  <a14:hiddenLine xmlns="" xmlns:a14="http://schemas.microsoft.com/office/drawing/2010/main" w="9525">
                     <a:solidFill>
                       <a:srgbClr val="000000"/>
                     </a:solidFill>
@@ -11873,7 +11873,7 @@
               </a:ln>
               <a:extLst>
                 <a:ext uri="{91240B29-F687-4f45-9708-019B960494DF}">
-                  <a14:hiddenLine xmlns:a14="http://schemas.microsoft.com/office/drawing/2010/main" xmlns="" w="9525">
+                  <a14:hiddenLine xmlns="" xmlns:a14="http://schemas.microsoft.com/office/drawing/2010/main" w="9525">
                     <a:solidFill>
                       <a:srgbClr val="000000"/>
                     </a:solidFill>
@@ -11907,7 +11907,7 @@
               </a:ln>
               <a:extLst>
                 <a:ext uri="{91240B29-F687-4f45-9708-019B960494DF}">
-                  <a14:hiddenLine xmlns:a14="http://schemas.microsoft.com/office/drawing/2010/main" xmlns="" w="9525">
+                  <a14:hiddenLine xmlns="" xmlns:a14="http://schemas.microsoft.com/office/drawing/2010/main" w="9525">
                     <a:solidFill>
                       <a:srgbClr val="000000"/>
                     </a:solidFill>
@@ -12047,7 +12047,7 @@
           <a:p>
             <a:fld id="{1160EA64-D806-43AC-9DF2-F8C432F32B4C}" type="datetimeFigureOut">
               <a:rPr lang="en-US" smtClean="0"/>
-              <a:t>12/6/2024</a:t>
+              <a:t>12/20/2024</a:t>
             </a:fld>
             <a:endParaRPr lang="en-US" dirty="0"/>
           </a:p>
@@ -12515,6 +12515,16 @@
               <a:rPr lang="en-IN" b="1" dirty="0"/>
               <a:t>Food Service Industry</a:t>
             </a:r>
+          </a:p>
+          <a:p>
+            <a:r>
+              <a:rPr lang="en-IN" b="1" dirty="0"/>
+              <a:t>Developed by :</a:t>
+            </a:r>
+            <a:r>
+              <a:rPr lang="en-IN" b="1" dirty="0" err="1"/>
+              <a:t>B.N.Piraviena</a:t>
+            </a:r>
             <a:endParaRPr lang="en-IN" dirty="0"/>
           </a:p>
         </p:txBody>
@@ -12576,33 +12586,59 @@
           </a:p>
         </p:txBody>
       </p:sp>
-      <p:pic>
-        <p:nvPicPr>
-          <p:cNvPr id="4" name="Content Placeholder 3"/>
-          <p:cNvPicPr>
-            <a:picLocks noGrp="1" noChangeAspect="1"/>
-          </p:cNvPicPr>
+      <p:sp>
+        <p:nvSpPr>
+          <p:cNvPr id="5" name="Content Placeholder 4">
+            <a:extLst>
+              <a:ext uri="{FF2B5EF4-FFF2-40B4-BE49-F238E27FC236}">
+                <a16:creationId xmlns:a16="http://schemas.microsoft.com/office/drawing/2014/main" id="{DC3C7E88-9CD5-8CD7-14F9-1A5693020BF8}"/>
+              </a:ext>
+            </a:extLst>
+          </p:cNvPr>
+          <p:cNvSpPr>
+            <a:spLocks noGrp="1"/>
+          </p:cNvSpPr>
           <p:nvPr>
             <p:ph idx="1"/>
           </p:nvPr>
+        </p:nvSpPr>
+        <p:spPr/>
+        <p:txBody>
+          <a:bodyPr/>
+          <a:lstStyle/>
+          <a:p>
+            <a:endParaRPr lang="en-IN"/>
+          </a:p>
+        </p:txBody>
+      </p:sp>
+      <p:pic>
+        <p:nvPicPr>
+          <p:cNvPr id="7" name="Picture 6">
+            <a:extLst>
+              <a:ext uri="{FF2B5EF4-FFF2-40B4-BE49-F238E27FC236}">
+                <a16:creationId xmlns:a16="http://schemas.microsoft.com/office/drawing/2014/main" id="{6ABE4756-CBF7-82DD-8853-FA40FB2718AE}"/>
+              </a:ext>
+            </a:extLst>
+          </p:cNvPr>
+          <p:cNvPicPr>
+            <a:picLocks noChangeAspect="1"/>
+          </p:cNvPicPr>
+          <p:nvPr/>
         </p:nvPicPr>
         <p:blipFill>
-          <a:blip r:embed="rId2">
-            <a:extLst>
-              <a:ext uri="{28A0092B-C50C-407E-A947-70E740481C1C}">
-                <a14:useLocalDpi xmlns:a14="http://schemas.microsoft.com/office/drawing/2010/main" val="0"/>
-              </a:ext>
-            </a:extLst>
-          </a:blip>
+          <a:blip r:embed="rId2"/>
           <a:stretch>
             <a:fillRect/>
           </a:stretch>
         </p:blipFill>
         <p:spPr>
           <a:xfrm>
-            <a:off x="2772808" y="2249488"/>
-            <a:ext cx="6643210" cy="3541712"/>
+            <a:off x="1730326" y="1754682"/>
+            <a:ext cx="8346610" cy="4215954"/>
           </a:xfrm>
+          <a:prstGeom prst="rect">
+            <a:avLst/>
+          </a:prstGeom>
         </p:spPr>
       </p:pic>
     </p:spTree>
@@ -12658,33 +12694,59 @@
           </a:p>
         </p:txBody>
       </p:sp>
-      <p:pic>
-        <p:nvPicPr>
-          <p:cNvPr id="4" name="Content Placeholder 3"/>
-          <p:cNvPicPr>
-            <a:picLocks noGrp="1" noChangeAspect="1"/>
-          </p:cNvPicPr>
+      <p:sp>
+        <p:nvSpPr>
+          <p:cNvPr id="5" name="Content Placeholder 4">
+            <a:extLst>
+              <a:ext uri="{FF2B5EF4-FFF2-40B4-BE49-F238E27FC236}">
+                <a16:creationId xmlns:a16="http://schemas.microsoft.com/office/drawing/2014/main" id="{EB5CE6D3-2249-F798-F699-007178531E42}"/>
+              </a:ext>
+            </a:extLst>
+          </p:cNvPr>
+          <p:cNvSpPr>
+            <a:spLocks noGrp="1"/>
+          </p:cNvSpPr>
           <p:nvPr>
             <p:ph idx="1"/>
           </p:nvPr>
+        </p:nvSpPr>
+        <p:spPr/>
+        <p:txBody>
+          <a:bodyPr/>
+          <a:lstStyle/>
+          <a:p>
+            <a:endParaRPr lang="en-IN"/>
+          </a:p>
+        </p:txBody>
+      </p:sp>
+      <p:pic>
+        <p:nvPicPr>
+          <p:cNvPr id="7" name="Picture 6">
+            <a:extLst>
+              <a:ext uri="{FF2B5EF4-FFF2-40B4-BE49-F238E27FC236}">
+                <a16:creationId xmlns:a16="http://schemas.microsoft.com/office/drawing/2014/main" id="{BB8DF79A-A917-9872-BB9C-63CAFBC7E5C1}"/>
+              </a:ext>
+            </a:extLst>
+          </p:cNvPr>
+          <p:cNvPicPr>
+            <a:picLocks noChangeAspect="1"/>
+          </p:cNvPicPr>
+          <p:nvPr/>
         </p:nvPicPr>
         <p:blipFill>
-          <a:blip r:embed="rId2">
-            <a:extLst>
-              <a:ext uri="{28A0092B-C50C-407E-A947-70E740481C1C}">
-                <a14:useLocalDpi xmlns:a14="http://schemas.microsoft.com/office/drawing/2010/main" val="0"/>
-              </a:ext>
-            </a:extLst>
-          </a:blip>
+          <a:blip r:embed="rId2"/>
           <a:stretch>
             <a:fillRect/>
           </a:stretch>
         </p:blipFill>
         <p:spPr>
           <a:xfrm>
-            <a:off x="2772808" y="2249488"/>
-            <a:ext cx="6643210" cy="3541712"/>
+            <a:off x="1913206" y="1741441"/>
+            <a:ext cx="7933885" cy="4224213"/>
           </a:xfrm>
+          <a:prstGeom prst="rect">
+            <a:avLst/>
+          </a:prstGeom>
         </p:spPr>
       </p:pic>
     </p:spTree>
@@ -12742,7 +12804,13 @@
       </p:sp>
       <p:pic>
         <p:nvPicPr>
-          <p:cNvPr id="4" name="Content Placeholder 3"/>
+          <p:cNvPr id="15" name="Content Placeholder 14">
+            <a:extLst>
+              <a:ext uri="{FF2B5EF4-FFF2-40B4-BE49-F238E27FC236}">
+                <a16:creationId xmlns:a16="http://schemas.microsoft.com/office/drawing/2014/main" id="{58CE54BC-E49A-0D8A-EAF6-6E628664C9DA}"/>
+              </a:ext>
+            </a:extLst>
+          </p:cNvPr>
           <p:cNvPicPr>
             <a:picLocks noGrp="1" noChangeAspect="1"/>
           </p:cNvPicPr>
@@ -12751,48 +12819,42 @@
           </p:nvPr>
         </p:nvPicPr>
         <p:blipFill>
-          <a:blip r:embed="rId2">
-            <a:extLst>
-              <a:ext uri="{28A0092B-C50C-407E-A947-70E740481C1C}">
-                <a14:useLocalDpi xmlns:a14="http://schemas.microsoft.com/office/drawing/2010/main" val="0"/>
-              </a:ext>
-            </a:extLst>
-          </a:blip>
+          <a:blip r:embed="rId2"/>
           <a:stretch>
             <a:fillRect/>
           </a:stretch>
         </p:blipFill>
         <p:spPr>
           <a:xfrm>
-            <a:off x="137872" y="2383676"/>
-            <a:ext cx="3729259" cy="2239319"/>
+            <a:off x="7772400" y="2351088"/>
+            <a:ext cx="4419600" cy="2495550"/>
           </a:xfrm>
         </p:spPr>
       </p:pic>
       <p:pic>
         <p:nvPicPr>
-          <p:cNvPr id="5" name="Picture 4"/>
+          <p:cNvPr id="11" name="Picture 10">
+            <a:extLst>
+              <a:ext uri="{FF2B5EF4-FFF2-40B4-BE49-F238E27FC236}">
+                <a16:creationId xmlns:a16="http://schemas.microsoft.com/office/drawing/2014/main" id="{5BD23EE4-FEFB-CE9A-ED0E-F86F2C9BFB0F}"/>
+              </a:ext>
+            </a:extLst>
+          </p:cNvPr>
           <p:cNvPicPr>
             <a:picLocks noChangeAspect="1"/>
           </p:cNvPicPr>
           <p:nvPr/>
         </p:nvPicPr>
         <p:blipFill>
-          <a:blip r:embed="rId3">
-            <a:extLst>
-              <a:ext uri="{28A0092B-C50C-407E-A947-70E740481C1C}">
-                <a14:useLocalDpi xmlns:a14="http://schemas.microsoft.com/office/drawing/2010/main" val="0"/>
-              </a:ext>
-            </a:extLst>
-          </a:blip>
+          <a:blip r:embed="rId3"/>
           <a:stretch>
             <a:fillRect/>
           </a:stretch>
         </p:blipFill>
         <p:spPr>
           <a:xfrm>
-            <a:off x="3867131" y="2383676"/>
-            <a:ext cx="3996709" cy="2252186"/>
+            <a:off x="0" y="2351088"/>
+            <a:ext cx="3886200" cy="2490787"/>
           </a:xfrm>
           <a:prstGeom prst="rect">
             <a:avLst/>
@@ -12801,28 +12863,28 @@
       </p:pic>
       <p:pic>
         <p:nvPicPr>
-          <p:cNvPr id="6" name="Picture 5"/>
+          <p:cNvPr id="17" name="Picture 16">
+            <a:extLst>
+              <a:ext uri="{FF2B5EF4-FFF2-40B4-BE49-F238E27FC236}">
+                <a16:creationId xmlns:a16="http://schemas.microsoft.com/office/drawing/2014/main" id="{A89F6EF5-BF6E-C3B3-570B-9A63598FBF88}"/>
+              </a:ext>
+            </a:extLst>
+          </p:cNvPr>
           <p:cNvPicPr>
             <a:picLocks noChangeAspect="1"/>
           </p:cNvPicPr>
           <p:nvPr/>
         </p:nvPicPr>
         <p:blipFill>
-          <a:blip r:embed="rId4">
-            <a:extLst>
-              <a:ext uri="{28A0092B-C50C-407E-A947-70E740481C1C}">
-                <a14:useLocalDpi xmlns:a14="http://schemas.microsoft.com/office/drawing/2010/main" val="0"/>
-              </a:ext>
-            </a:extLst>
-          </a:blip>
+          <a:blip r:embed="rId4"/>
           <a:stretch>
             <a:fillRect/>
           </a:stretch>
         </p:blipFill>
         <p:spPr>
           <a:xfrm>
-            <a:off x="7864537" y="2383676"/>
-            <a:ext cx="4262605" cy="2109947"/>
+            <a:off x="3886200" y="2346325"/>
+            <a:ext cx="3914775" cy="2495550"/>
           </a:xfrm>
           <a:prstGeom prst="rect">
             <a:avLst/>
@@ -13052,7 +13114,13 @@
       </p:sp>
       <p:pic>
         <p:nvPicPr>
-          <p:cNvPr id="8" name="Content Placeholder 7"/>
+          <p:cNvPr id="6" name="Content Placeholder 5">
+            <a:extLst>
+              <a:ext uri="{FF2B5EF4-FFF2-40B4-BE49-F238E27FC236}">
+                <a16:creationId xmlns:a16="http://schemas.microsoft.com/office/drawing/2014/main" id="{BA806362-688A-FE6A-DD89-E0CCD273C1E5}"/>
+              </a:ext>
+            </a:extLst>
+          </p:cNvPr>
           <p:cNvPicPr>
             <a:picLocks noGrp="1" noChangeAspect="1"/>
           </p:cNvPicPr>
@@ -13061,21 +13129,15 @@
           </p:nvPr>
         </p:nvPicPr>
         <p:blipFill>
-          <a:blip r:embed="rId2">
-            <a:extLst>
-              <a:ext uri="{28A0092B-C50C-407E-A947-70E740481C1C}">
-                <a14:useLocalDpi xmlns:a14="http://schemas.microsoft.com/office/drawing/2010/main" val="0"/>
-              </a:ext>
-            </a:extLst>
-          </a:blip>
+          <a:blip r:embed="rId2"/>
           <a:stretch>
             <a:fillRect/>
           </a:stretch>
         </p:blipFill>
         <p:spPr>
           <a:xfrm>
-            <a:off x="4095625" y="2249488"/>
-            <a:ext cx="3997576" cy="3541712"/>
+            <a:off x="4724622" y="1505243"/>
+            <a:ext cx="2739582" cy="5352757"/>
           </a:xfrm>
         </p:spPr>
       </p:pic>
@@ -13247,7 +13309,7 @@
       </p:sp>
       <p:pic>
         <p:nvPicPr>
-          <p:cNvPr id="4" name="Picture 3"/>
+          <p:cNvPr id="5" name="Picture 4"/>
           <p:cNvPicPr>
             <a:picLocks noChangeAspect="1"/>
           </p:cNvPicPr>
@@ -13255,36 +13317,6 @@
         </p:nvPicPr>
         <p:blipFill>
           <a:blip r:embed="rId2">
-            <a:extLst>
-              <a:ext uri="{28A0092B-C50C-407E-A947-70E740481C1C}">
-                <a14:useLocalDpi xmlns:a14="http://schemas.microsoft.com/office/drawing/2010/main" val="0"/>
-              </a:ext>
-            </a:extLst>
-          </a:blip>
-          <a:stretch>
-            <a:fillRect/>
-          </a:stretch>
-        </p:blipFill>
-        <p:spPr>
-          <a:xfrm>
-            <a:off x="8253066" y="3122318"/>
-            <a:ext cx="1834842" cy="3601446"/>
-          </a:xfrm>
-          <a:prstGeom prst="rect">
-            <a:avLst/>
-          </a:prstGeom>
-        </p:spPr>
-      </p:pic>
-      <p:pic>
-        <p:nvPicPr>
-          <p:cNvPr id="5" name="Picture 4"/>
-          <p:cNvPicPr>
-            <a:picLocks noChangeAspect="1"/>
-          </p:cNvPicPr>
-          <p:nvPr/>
-        </p:nvPicPr>
-        <p:blipFill>
-          <a:blip r:embed="rId3">
             <a:extLst>
               <a:ext uri="{28A0092B-C50C-407E-A947-70E740481C1C}">
                 <a14:useLocalDpi xmlns:a14="http://schemas.microsoft.com/office/drawing/2010/main" val="0"/>
@@ -13307,28 +13339,58 @@
       </p:pic>
       <p:pic>
         <p:nvPicPr>
-          <p:cNvPr id="6" name="Picture 5"/>
+          <p:cNvPr id="8" name="Picture 7">
+            <a:extLst>
+              <a:ext uri="{FF2B5EF4-FFF2-40B4-BE49-F238E27FC236}">
+                <a16:creationId xmlns:a16="http://schemas.microsoft.com/office/drawing/2014/main" id="{1391BFB3-E28C-3389-9E89-C2EC16166B47}"/>
+              </a:ext>
+            </a:extLst>
+          </p:cNvPr>
           <p:cNvPicPr>
             <a:picLocks noChangeAspect="1"/>
           </p:cNvPicPr>
           <p:nvPr/>
         </p:nvPicPr>
         <p:blipFill>
-          <a:blip r:embed="rId4">
-            <a:extLst>
-              <a:ext uri="{28A0092B-C50C-407E-A947-70E740481C1C}">
-                <a14:useLocalDpi xmlns:a14="http://schemas.microsoft.com/office/drawing/2010/main" val="0"/>
-              </a:ext>
-            </a:extLst>
-          </a:blip>
+          <a:blip r:embed="rId3"/>
           <a:stretch>
             <a:fillRect/>
           </a:stretch>
         </p:blipFill>
         <p:spPr>
           <a:xfrm>
-            <a:off x="1912463" y="3124822"/>
-            <a:ext cx="1772382" cy="3598942"/>
+            <a:off x="1198886" y="3077950"/>
+            <a:ext cx="2676525" cy="3352800"/>
+          </a:xfrm>
+          <a:prstGeom prst="rect">
+            <a:avLst/>
+          </a:prstGeom>
+        </p:spPr>
+      </p:pic>
+      <p:pic>
+        <p:nvPicPr>
+          <p:cNvPr id="10" name="Picture 9">
+            <a:extLst>
+              <a:ext uri="{FF2B5EF4-FFF2-40B4-BE49-F238E27FC236}">
+                <a16:creationId xmlns:a16="http://schemas.microsoft.com/office/drawing/2014/main" id="{A4C4E592-43A9-5798-9F17-0AC5B8ECFCD1}"/>
+              </a:ext>
+            </a:extLst>
+          </p:cNvPr>
+          <p:cNvPicPr>
+            <a:picLocks noChangeAspect="1"/>
+          </p:cNvPicPr>
+          <p:nvPr/>
+        </p:nvPicPr>
+        <p:blipFill>
+          <a:blip r:embed="rId4"/>
+          <a:stretch>
+            <a:fillRect/>
+          </a:stretch>
+        </p:blipFill>
+        <p:spPr>
+          <a:xfrm>
+            <a:off x="8316591" y="2969330"/>
+            <a:ext cx="2321188" cy="3461420"/>
           </a:xfrm>
           <a:prstGeom prst="rect">
             <a:avLst/>
@@ -13493,33 +13555,59 @@
           </a:p>
         </p:txBody>
       </p:sp>
-      <p:pic>
-        <p:nvPicPr>
-          <p:cNvPr id="4" name="Content Placeholder 3"/>
-          <p:cNvPicPr>
-            <a:picLocks noGrp="1" noChangeAspect="1"/>
-          </p:cNvPicPr>
+      <p:sp>
+        <p:nvSpPr>
+          <p:cNvPr id="5" name="Content Placeholder 4">
+            <a:extLst>
+              <a:ext uri="{FF2B5EF4-FFF2-40B4-BE49-F238E27FC236}">
+                <a16:creationId xmlns:a16="http://schemas.microsoft.com/office/drawing/2014/main" id="{1F3E05AB-5ADF-1FE1-99EB-823EFB5F9EDB}"/>
+              </a:ext>
+            </a:extLst>
+          </p:cNvPr>
+          <p:cNvSpPr>
+            <a:spLocks noGrp="1"/>
+          </p:cNvSpPr>
           <p:nvPr>
             <p:ph idx="1"/>
           </p:nvPr>
+        </p:nvSpPr>
+        <p:spPr/>
+        <p:txBody>
+          <a:bodyPr/>
+          <a:lstStyle/>
+          <a:p>
+            <a:endParaRPr lang="en-IN"/>
+          </a:p>
+        </p:txBody>
+      </p:sp>
+      <p:pic>
+        <p:nvPicPr>
+          <p:cNvPr id="7" name="Picture 6">
+            <a:extLst>
+              <a:ext uri="{FF2B5EF4-FFF2-40B4-BE49-F238E27FC236}">
+                <a16:creationId xmlns:a16="http://schemas.microsoft.com/office/drawing/2014/main" id="{426B6633-AFBE-DF07-2590-864F46C36106}"/>
+              </a:ext>
+            </a:extLst>
+          </p:cNvPr>
+          <p:cNvPicPr>
+            <a:picLocks noChangeAspect="1"/>
+          </p:cNvPicPr>
+          <p:nvPr/>
         </p:nvPicPr>
         <p:blipFill>
-          <a:blip r:embed="rId2">
-            <a:extLst>
-              <a:ext uri="{28A0092B-C50C-407E-A947-70E740481C1C}">
-                <a14:useLocalDpi xmlns:a14="http://schemas.microsoft.com/office/drawing/2010/main" val="0"/>
-              </a:ext>
-            </a:extLst>
-          </a:blip>
+          <a:blip r:embed="rId2"/>
           <a:stretch>
             <a:fillRect/>
           </a:stretch>
         </p:blipFill>
         <p:spPr>
           <a:xfrm>
-            <a:off x="2840829" y="2249488"/>
-            <a:ext cx="6507167" cy="3541712"/>
+            <a:off x="1552575" y="1589649"/>
+            <a:ext cx="9086850" cy="4301563"/>
           </a:xfrm>
+          <a:prstGeom prst="rect">
+            <a:avLst/>
+          </a:prstGeom>
         </p:spPr>
       </p:pic>
     </p:spTree>
@@ -13691,35 +13779,6 @@
           </a:p>
         </p:txBody>
       </p:sp>
-      <p:pic>
-        <p:nvPicPr>
-          <p:cNvPr id="4" name="Content Placeholder 3"/>
-          <p:cNvPicPr>
-            <a:picLocks noGrp="1" noChangeAspect="1"/>
-          </p:cNvPicPr>
-          <p:nvPr>
-            <p:ph idx="1"/>
-          </p:nvPr>
-        </p:nvPicPr>
-        <p:blipFill>
-          <a:blip r:embed="rId2">
-            <a:extLst>
-              <a:ext uri="{28A0092B-C50C-407E-A947-70E740481C1C}">
-                <a14:useLocalDpi xmlns:a14="http://schemas.microsoft.com/office/drawing/2010/main" val="0"/>
-              </a:ext>
-            </a:extLst>
-          </a:blip>
-          <a:stretch>
-            <a:fillRect/>
-          </a:stretch>
-        </p:blipFill>
-        <p:spPr>
-          <a:xfrm>
-            <a:off x="3492657" y="2249488"/>
-            <a:ext cx="5203512" cy="3541712"/>
-          </a:xfrm>
-        </p:spPr>
-      </p:pic>
       <p:sp>
         <p:nvSpPr>
           <p:cNvPr id="5" name="TextBox 4"/>
@@ -13780,6 +13839,61 @@
           </a:p>
         </p:txBody>
       </p:sp>
+      <p:sp>
+        <p:nvSpPr>
+          <p:cNvPr id="7" name="Content Placeholder 6">
+            <a:extLst>
+              <a:ext uri="{FF2B5EF4-FFF2-40B4-BE49-F238E27FC236}">
+                <a16:creationId xmlns:a16="http://schemas.microsoft.com/office/drawing/2014/main" id="{93E99D70-6D69-4217-0EC3-AC685D07EE14}"/>
+              </a:ext>
+            </a:extLst>
+          </p:cNvPr>
+          <p:cNvSpPr>
+            <a:spLocks noGrp="1"/>
+          </p:cNvSpPr>
+          <p:nvPr>
+            <p:ph idx="1"/>
+          </p:nvPr>
+        </p:nvSpPr>
+        <p:spPr/>
+        <p:txBody>
+          <a:bodyPr/>
+          <a:lstStyle/>
+          <a:p>
+            <a:endParaRPr lang="en-IN"/>
+          </a:p>
+        </p:txBody>
+      </p:sp>
+      <p:pic>
+        <p:nvPicPr>
+          <p:cNvPr id="9" name="Picture 8">
+            <a:extLst>
+              <a:ext uri="{FF2B5EF4-FFF2-40B4-BE49-F238E27FC236}">
+                <a16:creationId xmlns:a16="http://schemas.microsoft.com/office/drawing/2014/main" id="{28C567C8-C50F-452B-5355-6BCC7EAABEA4}"/>
+              </a:ext>
+            </a:extLst>
+          </p:cNvPr>
+          <p:cNvPicPr>
+            <a:picLocks noChangeAspect="1"/>
+          </p:cNvPicPr>
+          <p:nvPr/>
+        </p:nvPicPr>
+        <p:blipFill>
+          <a:blip r:embed="rId2"/>
+          <a:stretch>
+            <a:fillRect/>
+          </a:stretch>
+        </p:blipFill>
+        <p:spPr>
+          <a:xfrm>
+            <a:off x="1557337" y="1631852"/>
+            <a:ext cx="9077325" cy="4526060"/>
+          </a:xfrm>
+          <a:prstGeom prst="rect">
+            <a:avLst/>
+          </a:prstGeom>
+        </p:spPr>
+      </p:pic>
     </p:spTree>
     <p:extLst>
       <p:ext uri="{BB962C8B-B14F-4D97-AF65-F5344CB8AC3E}">
@@ -13838,35 +13952,6 @@
           </a:p>
         </p:txBody>
       </p:sp>
-      <p:pic>
-        <p:nvPicPr>
-          <p:cNvPr id="4" name="Content Placeholder 3"/>
-          <p:cNvPicPr>
-            <a:picLocks noGrp="1" noChangeAspect="1"/>
-          </p:cNvPicPr>
-          <p:nvPr>
-            <p:ph idx="1"/>
-          </p:nvPr>
-        </p:nvPicPr>
-        <p:blipFill>
-          <a:blip r:embed="rId2">
-            <a:extLst>
-              <a:ext uri="{28A0092B-C50C-407E-A947-70E740481C1C}">
-                <a14:useLocalDpi xmlns:a14="http://schemas.microsoft.com/office/drawing/2010/main" val="0"/>
-              </a:ext>
-            </a:extLst>
-          </a:blip>
-          <a:stretch>
-            <a:fillRect/>
-          </a:stretch>
-        </p:blipFill>
-        <p:spPr>
-          <a:xfrm>
-            <a:off x="3012902" y="2249488"/>
-            <a:ext cx="6163021" cy="3541712"/>
-          </a:xfrm>
-        </p:spPr>
-      </p:pic>
       <p:sp>
         <p:nvSpPr>
           <p:cNvPr id="5" name="TextBox 4"/>
@@ -13897,6 +13982,61 @@
           </a:p>
         </p:txBody>
       </p:sp>
+      <p:sp>
+        <p:nvSpPr>
+          <p:cNvPr id="6" name="Content Placeholder 5">
+            <a:extLst>
+              <a:ext uri="{FF2B5EF4-FFF2-40B4-BE49-F238E27FC236}">
+                <a16:creationId xmlns:a16="http://schemas.microsoft.com/office/drawing/2014/main" id="{C9E3A61D-3BCE-CBEE-DB53-505A6EFEC8BD}"/>
+              </a:ext>
+            </a:extLst>
+          </p:cNvPr>
+          <p:cNvSpPr>
+            <a:spLocks noGrp="1"/>
+          </p:cNvSpPr>
+          <p:nvPr>
+            <p:ph idx="1"/>
+          </p:nvPr>
+        </p:nvSpPr>
+        <p:spPr/>
+        <p:txBody>
+          <a:bodyPr/>
+          <a:lstStyle/>
+          <a:p>
+            <a:endParaRPr lang="en-IN"/>
+          </a:p>
+        </p:txBody>
+      </p:sp>
+      <p:pic>
+        <p:nvPicPr>
+          <p:cNvPr id="10" name="Picture 9">
+            <a:extLst>
+              <a:ext uri="{FF2B5EF4-FFF2-40B4-BE49-F238E27FC236}">
+                <a16:creationId xmlns:a16="http://schemas.microsoft.com/office/drawing/2014/main" id="{08ADF6D3-06DA-220C-60F7-48EED2CA9FFE}"/>
+              </a:ext>
+            </a:extLst>
+          </p:cNvPr>
+          <p:cNvPicPr>
+            <a:picLocks noChangeAspect="1"/>
+          </p:cNvPicPr>
+          <p:nvPr/>
+        </p:nvPicPr>
+        <p:blipFill>
+          <a:blip r:embed="rId2"/>
+          <a:stretch>
+            <a:fillRect/>
+          </a:stretch>
+        </p:blipFill>
+        <p:spPr>
+          <a:xfrm>
+            <a:off x="2057400" y="1378633"/>
+            <a:ext cx="8077200" cy="4822141"/>
+          </a:xfrm>
+          <a:prstGeom prst="rect">
+            <a:avLst/>
+          </a:prstGeom>
+        </p:spPr>
+      </p:pic>
     </p:spTree>
     <p:extLst>
       <p:ext uri="{BB962C8B-B14F-4D97-AF65-F5344CB8AC3E}">
